--- a/manuscript/Revised/Final_Figure/Fig7_new.pptx
+++ b/manuscript/Revised/Final_Figure/Fig7_new.pptx
@@ -63,7 +63,7 @@
         <p:txBody>
           <a:bodyPr/>
           <a:p>
-            <a:fld id="{4786FB64-E70D-4842-91E4-2BEF3CA8D0C4}" type="slidenum">
+            <a:fld id="{ADFFA9BC-407C-47BF-8A2F-DD7F57EC2108}" type="slidenum">
               <a:t>&lt;#&gt;</a:t>
             </a:fld>
           </a:p>
@@ -186,7 +186,7 @@
               </a:spcBef>
               <a:buNone/>
             </a:pPr>
-            <a:endParaRPr b="0" lang="fi-FI" sz="2800" spc="-1" strike="noStrike">
+            <a:endParaRPr b="0" lang="fi-FI" sz="2810" spc="-1" strike="noStrike">
               <a:solidFill>
                 <a:srgbClr val="000000"/>
               </a:solidFill>
@@ -232,7 +232,7 @@
               </a:spcBef>
               <a:buNone/>
             </a:pPr>
-            <a:endParaRPr b="0" lang="fi-FI" sz="2800" spc="-1" strike="noStrike">
+            <a:endParaRPr b="0" lang="fi-FI" sz="2810" spc="-1" strike="noStrike">
               <a:solidFill>
                 <a:srgbClr val="000000"/>
               </a:solidFill>
@@ -275,7 +275,7 @@
         <p:txBody>
           <a:bodyPr/>
           <a:p>
-            <a:fld id="{88E2029D-D2B5-41DD-9099-7DC4361A9FEB}" type="slidenum">
+            <a:fld id="{C58DD688-DFE4-49CF-AF44-1AE659205D33}" type="slidenum">
               <a:t>&lt;#&gt;</a:t>
             </a:fld>
           </a:p>
@@ -398,7 +398,7 @@
               </a:spcBef>
               <a:buNone/>
             </a:pPr>
-            <a:endParaRPr b="0" lang="fi-FI" sz="2800" spc="-1" strike="noStrike">
+            <a:endParaRPr b="0" lang="fi-FI" sz="2810" spc="-1" strike="noStrike">
               <a:solidFill>
                 <a:srgbClr val="000000"/>
               </a:solidFill>
@@ -444,7 +444,7 @@
               </a:spcBef>
               <a:buNone/>
             </a:pPr>
-            <a:endParaRPr b="0" lang="fi-FI" sz="2800" spc="-1" strike="noStrike">
+            <a:endParaRPr b="0" lang="fi-FI" sz="2810" spc="-1" strike="noStrike">
               <a:solidFill>
                 <a:srgbClr val="000000"/>
               </a:solidFill>
@@ -490,7 +490,7 @@
               </a:spcBef>
               <a:buNone/>
             </a:pPr>
-            <a:endParaRPr b="0" lang="fi-FI" sz="2800" spc="-1" strike="noStrike">
+            <a:endParaRPr b="0" lang="fi-FI" sz="2810" spc="-1" strike="noStrike">
               <a:solidFill>
                 <a:srgbClr val="000000"/>
               </a:solidFill>
@@ -536,7 +536,7 @@
               </a:spcBef>
               <a:buNone/>
             </a:pPr>
-            <a:endParaRPr b="0" lang="fi-FI" sz="2800" spc="-1" strike="noStrike">
+            <a:endParaRPr b="0" lang="fi-FI" sz="2810" spc="-1" strike="noStrike">
               <a:solidFill>
                 <a:srgbClr val="000000"/>
               </a:solidFill>
@@ -579,7 +579,7 @@
         <p:txBody>
           <a:bodyPr/>
           <a:p>
-            <a:fld id="{BCD3EBF1-342D-477E-8C80-43F403615A86}" type="slidenum">
+            <a:fld id="{218C3B69-251B-452E-B0B1-61E1BCBB5B2A}" type="slidenum">
               <a:t>&lt;#&gt;</a:t>
             </a:fld>
           </a:p>
@@ -702,7 +702,7 @@
               </a:spcBef>
               <a:buNone/>
             </a:pPr>
-            <a:endParaRPr b="0" lang="fi-FI" sz="2800" spc="-1" strike="noStrike">
+            <a:endParaRPr b="0" lang="fi-FI" sz="2810" spc="-1" strike="noStrike">
               <a:solidFill>
                 <a:srgbClr val="000000"/>
               </a:solidFill>
@@ -748,7 +748,7 @@
               </a:spcBef>
               <a:buNone/>
             </a:pPr>
-            <a:endParaRPr b="0" lang="fi-FI" sz="2800" spc="-1" strike="noStrike">
+            <a:endParaRPr b="0" lang="fi-FI" sz="2810" spc="-1" strike="noStrike">
               <a:solidFill>
                 <a:srgbClr val="000000"/>
               </a:solidFill>
@@ -794,7 +794,7 @@
               </a:spcBef>
               <a:buNone/>
             </a:pPr>
-            <a:endParaRPr b="0" lang="fi-FI" sz="2800" spc="-1" strike="noStrike">
+            <a:endParaRPr b="0" lang="fi-FI" sz="2810" spc="-1" strike="noStrike">
               <a:solidFill>
                 <a:srgbClr val="000000"/>
               </a:solidFill>
@@ -840,7 +840,7 @@
               </a:spcBef>
               <a:buNone/>
             </a:pPr>
-            <a:endParaRPr b="0" lang="fi-FI" sz="2800" spc="-1" strike="noStrike">
+            <a:endParaRPr b="0" lang="fi-FI" sz="2810" spc="-1" strike="noStrike">
               <a:solidFill>
                 <a:srgbClr val="000000"/>
               </a:solidFill>
@@ -886,7 +886,7 @@
               </a:spcBef>
               <a:buNone/>
             </a:pPr>
-            <a:endParaRPr b="0" lang="fi-FI" sz="2800" spc="-1" strike="noStrike">
+            <a:endParaRPr b="0" lang="fi-FI" sz="2810" spc="-1" strike="noStrike">
               <a:solidFill>
                 <a:srgbClr val="000000"/>
               </a:solidFill>
@@ -932,7 +932,7 @@
               </a:spcBef>
               <a:buNone/>
             </a:pPr>
-            <a:endParaRPr b="0" lang="fi-FI" sz="2800" spc="-1" strike="noStrike">
+            <a:endParaRPr b="0" lang="fi-FI" sz="2810" spc="-1" strike="noStrike">
               <a:solidFill>
                 <a:srgbClr val="000000"/>
               </a:solidFill>
@@ -975,7 +975,7 @@
         <p:txBody>
           <a:bodyPr/>
           <a:p>
-            <a:fld id="{142CA37C-6AEB-44E0-B38C-2BF1ED9B5B75}" type="slidenum">
+            <a:fld id="{24786C7D-B600-4D70-A25E-F1512ED61EC8}" type="slidenum">
               <a:t>&lt;#&gt;</a:t>
             </a:fld>
           </a:p>
@@ -1132,7 +1132,7 @@
         <p:txBody>
           <a:bodyPr/>
           <a:p>
-            <a:fld id="{867B047B-AEBB-41CA-9864-0AF7E2523698}" type="slidenum">
+            <a:fld id="{67963944-594E-4D29-8660-C8296FF96301}" type="slidenum">
               <a:t>&lt;#&gt;</a:t>
             </a:fld>
           </a:p>
@@ -1255,7 +1255,7 @@
               </a:spcBef>
               <a:buNone/>
             </a:pPr>
-            <a:endParaRPr b="0" lang="fi-FI" sz="2800" spc="-1" strike="noStrike">
+            <a:endParaRPr b="0" lang="fi-FI" sz="2810" spc="-1" strike="noStrike">
               <a:solidFill>
                 <a:srgbClr val="000000"/>
               </a:solidFill>
@@ -1298,7 +1298,7 @@
         <p:txBody>
           <a:bodyPr/>
           <a:p>
-            <a:fld id="{A7C48441-308F-4805-807A-D9A1E7EDECCB}" type="slidenum">
+            <a:fld id="{21F62730-672E-4E69-9CFD-82BF0E8C1EC3}" type="slidenum">
               <a:t>&lt;#&gt;</a:t>
             </a:fld>
           </a:p>
@@ -1421,7 +1421,7 @@
               </a:spcBef>
               <a:buNone/>
             </a:pPr>
-            <a:endParaRPr b="0" lang="fi-FI" sz="2800" spc="-1" strike="noStrike">
+            <a:endParaRPr b="0" lang="fi-FI" sz="2810" spc="-1" strike="noStrike">
               <a:solidFill>
                 <a:srgbClr val="000000"/>
               </a:solidFill>
@@ -1467,7 +1467,7 @@
               </a:spcBef>
               <a:buNone/>
             </a:pPr>
-            <a:endParaRPr b="0" lang="fi-FI" sz="2800" spc="-1" strike="noStrike">
+            <a:endParaRPr b="0" lang="fi-FI" sz="2810" spc="-1" strike="noStrike">
               <a:solidFill>
                 <a:srgbClr val="000000"/>
               </a:solidFill>
@@ -1510,7 +1510,7 @@
         <p:txBody>
           <a:bodyPr/>
           <a:p>
-            <a:fld id="{4B2CCED3-39D8-4F89-A826-FADC7D229086}" type="slidenum">
+            <a:fld id="{8BE49997-79D4-48DF-AB7F-2B50E7DEADC4}" type="slidenum">
               <a:t>&lt;#&gt;</a:t>
             </a:fld>
           </a:p>
@@ -1630,7 +1630,7 @@
         <p:txBody>
           <a:bodyPr/>
           <a:p>
-            <a:fld id="{826DCBE5-ABA3-4AB5-98DD-96910F1D429C}" type="slidenum">
+            <a:fld id="{CDA5FAD2-A52C-4450-B222-7F40455218D0}" type="slidenum">
               <a:t>&lt;#&gt;</a:t>
             </a:fld>
           </a:p>
@@ -1750,7 +1750,7 @@
         <p:txBody>
           <a:bodyPr/>
           <a:p>
-            <a:fld id="{EECC0DD0-E170-4B63-991C-58F40805D077}" type="slidenum">
+            <a:fld id="{5C273F60-3268-4D9E-9314-89251962717D}" type="slidenum">
               <a:t>&lt;#&gt;</a:t>
             </a:fld>
           </a:p>
@@ -1873,7 +1873,7 @@
               </a:spcBef>
               <a:buNone/>
             </a:pPr>
-            <a:endParaRPr b="0" lang="fi-FI" sz="2800" spc="-1" strike="noStrike">
+            <a:endParaRPr b="0" lang="fi-FI" sz="2810" spc="-1" strike="noStrike">
               <a:solidFill>
                 <a:srgbClr val="000000"/>
               </a:solidFill>
@@ -1919,7 +1919,7 @@
               </a:spcBef>
               <a:buNone/>
             </a:pPr>
-            <a:endParaRPr b="0" lang="fi-FI" sz="2800" spc="-1" strike="noStrike">
+            <a:endParaRPr b="0" lang="fi-FI" sz="2810" spc="-1" strike="noStrike">
               <a:solidFill>
                 <a:srgbClr val="000000"/>
               </a:solidFill>
@@ -1965,7 +1965,7 @@
               </a:spcBef>
               <a:buNone/>
             </a:pPr>
-            <a:endParaRPr b="0" lang="fi-FI" sz="2800" spc="-1" strike="noStrike">
+            <a:endParaRPr b="0" lang="fi-FI" sz="2810" spc="-1" strike="noStrike">
               <a:solidFill>
                 <a:srgbClr val="000000"/>
               </a:solidFill>
@@ -2008,7 +2008,7 @@
         <p:txBody>
           <a:bodyPr/>
           <a:p>
-            <a:fld id="{0402F39B-D5BA-4035-941A-4AB2D7AD1880}" type="slidenum">
+            <a:fld id="{12FBB1DF-F9CC-4F2A-94FB-A43BBC0877BB}" type="slidenum">
               <a:t>&lt;#&gt;</a:t>
             </a:fld>
           </a:p>
@@ -2131,7 +2131,7 @@
               </a:spcBef>
               <a:buNone/>
             </a:pPr>
-            <a:endParaRPr b="0" lang="fi-FI" sz="2800" spc="-1" strike="noStrike">
+            <a:endParaRPr b="0" lang="fi-FI" sz="2810" spc="-1" strike="noStrike">
               <a:solidFill>
                 <a:srgbClr val="000000"/>
               </a:solidFill>
@@ -2177,7 +2177,7 @@
               </a:spcBef>
               <a:buNone/>
             </a:pPr>
-            <a:endParaRPr b="0" lang="fi-FI" sz="2800" spc="-1" strike="noStrike">
+            <a:endParaRPr b="0" lang="fi-FI" sz="2810" spc="-1" strike="noStrike">
               <a:solidFill>
                 <a:srgbClr val="000000"/>
               </a:solidFill>
@@ -2223,7 +2223,7 @@
               </a:spcBef>
               <a:buNone/>
             </a:pPr>
-            <a:endParaRPr b="0" lang="fi-FI" sz="2800" spc="-1" strike="noStrike">
+            <a:endParaRPr b="0" lang="fi-FI" sz="2810" spc="-1" strike="noStrike">
               <a:solidFill>
                 <a:srgbClr val="000000"/>
               </a:solidFill>
@@ -2266,7 +2266,7 @@
         <p:txBody>
           <a:bodyPr/>
           <a:p>
-            <a:fld id="{BE701D56-D121-43C3-BD99-58C46A9291C9}" type="slidenum">
+            <a:fld id="{1C2DDC4B-B0AB-4681-AB67-A1098F44420A}" type="slidenum">
               <a:t>&lt;#&gt;</a:t>
             </a:fld>
           </a:p>
@@ -2389,7 +2389,7 @@
               </a:spcBef>
               <a:buNone/>
             </a:pPr>
-            <a:endParaRPr b="0" lang="fi-FI" sz="2800" spc="-1" strike="noStrike">
+            <a:endParaRPr b="0" lang="fi-FI" sz="2810" spc="-1" strike="noStrike">
               <a:solidFill>
                 <a:srgbClr val="000000"/>
               </a:solidFill>
@@ -2435,7 +2435,7 @@
               </a:spcBef>
               <a:buNone/>
             </a:pPr>
-            <a:endParaRPr b="0" lang="fi-FI" sz="2800" spc="-1" strike="noStrike">
+            <a:endParaRPr b="0" lang="fi-FI" sz="2810" spc="-1" strike="noStrike">
               <a:solidFill>
                 <a:srgbClr val="000000"/>
               </a:solidFill>
@@ -2481,7 +2481,7 @@
               </a:spcBef>
               <a:buNone/>
             </a:pPr>
-            <a:endParaRPr b="0" lang="fi-FI" sz="2800" spc="-1" strike="noStrike">
+            <a:endParaRPr b="0" lang="fi-FI" sz="2810" spc="-1" strike="noStrike">
               <a:solidFill>
                 <a:srgbClr val="000000"/>
               </a:solidFill>
@@ -2524,7 +2524,7 @@
         <p:txBody>
           <a:bodyPr/>
           <a:p>
-            <a:fld id="{4161E4CE-ACE7-4DBD-A735-0A6531CB8B7D}" type="slidenum">
+            <a:fld id="{1FCC2C0B-43E0-4946-9E85-40DE1F81D81F}" type="slidenum">
               <a:t>&lt;#&gt;</a:t>
             </a:fld>
           </a:p>
@@ -2593,7 +2593,7 @@
         <p:spPr>
           <a:xfrm>
             <a:off x="2462760" y="9182520"/>
-            <a:ext cx="2272680" cy="673560"/>
+            <a:ext cx="2272320" cy="673200"/>
           </a:xfrm>
           <a:prstGeom prst="rect">
             <a:avLst/>
@@ -2613,7 +2613,7 @@
                 <a:spcPct val="100000"/>
               </a:lnSpc>
               <a:buNone/>
-              <a:defRPr b="0" lang="en-GB" sz="560" spc="-1" strike="noStrike">
+              <a:defRPr b="0" lang="en-GB" sz="560" spc="-4" strike="noStrike">
                 <a:solidFill>
                   <a:srgbClr val="000000"/>
                 </a:solidFill>
@@ -2630,7 +2630,7 @@
               <a:buNone/>
             </a:pPr>
             <a:r>
-              <a:rPr b="0" lang="en-GB" sz="560" spc="-1" strike="noStrike">
+              <a:rPr b="0" lang="en-GB" sz="560" spc="-4" strike="noStrike">
                 <a:solidFill>
                   <a:srgbClr val="000000"/>
                 </a:solidFill>
@@ -2658,7 +2658,7 @@
         <p:spPr>
           <a:xfrm>
             <a:off x="5162760" y="9182520"/>
-            <a:ext cx="1667880" cy="673560"/>
+            <a:ext cx="1667520" cy="673200"/>
           </a:xfrm>
           <a:prstGeom prst="rect">
             <a:avLst/>
@@ -2678,7 +2678,7 @@
                 <a:spcPct val="100000"/>
               </a:lnSpc>
               <a:buNone/>
-              <a:defRPr b="0" lang="en-GB" sz="560" spc="-1" strike="noStrike">
+              <a:defRPr b="0" lang="en-GB" sz="560" spc="-4" strike="noStrike">
                 <a:solidFill>
                   <a:srgbClr val="000000"/>
                 </a:solidFill>
@@ -2694,8 +2694,8 @@
               </a:lnSpc>
               <a:buNone/>
             </a:pPr>
-            <a:fld id="{0173CE52-C112-49F5-B71C-186A58478DCC}" type="slidenum">
-              <a:rPr b="0" lang="en-GB" sz="560" spc="-1" strike="noStrike">
+            <a:fld id="{2B8BF7E1-39EC-476E-B6A7-90BCB0A38424}" type="slidenum">
+              <a:rPr b="0" lang="en-GB" sz="560" spc="-4" strike="noStrike">
                 <a:solidFill>
                   <a:srgbClr val="000000"/>
                 </a:solidFill>
@@ -2723,7 +2723,7 @@
         <p:spPr>
           <a:xfrm>
             <a:off x="360000" y="9182520"/>
-            <a:ext cx="1667880" cy="673560"/>
+            <a:ext cx="1667520" cy="673200"/>
           </a:xfrm>
           <a:prstGeom prst="rect">
             <a:avLst/>
@@ -2846,7 +2846,7 @@
               <a:buChar char=""/>
             </a:pPr>
             <a:r>
-              <a:rPr b="0" lang="fi-FI" sz="2800" spc="-1" strike="noStrike">
+              <a:rPr b="0" lang="fi-FI" sz="2810" spc="-1" strike="noStrike">
                 <a:solidFill>
                   <a:srgbClr val="000000"/>
                 </a:solidFill>
@@ -2854,7 +2854,7 @@
               </a:rPr>
               <a:t>Click to edit the outline text format</a:t>
             </a:r>
-            <a:endParaRPr b="0" lang="fi-FI" sz="2800" spc="-1" strike="noStrike">
+            <a:endParaRPr b="0" lang="fi-FI" sz="2810" spc="-1" strike="noStrike">
               <a:solidFill>
                 <a:srgbClr val="000000"/>
               </a:solidFill>
@@ -3099,7 +3099,7 @@
         <p:spPr>
           <a:xfrm>
             <a:off x="137160" y="661680"/>
-            <a:ext cx="6939360" cy="3700080"/>
+            <a:ext cx="6939000" cy="3699720"/>
           </a:xfrm>
           <a:prstGeom prst="rect">
             <a:avLst/>
@@ -3117,13 +3117,13 @@
         </p:nvPicPr>
         <p:blipFill>
           <a:blip r:embed="rId2"/>
-          <a:srcRect l="17974" t="0" r="31578" b="0"/>
+          <a:srcRect l="17972" t="0" r="31574" b="0"/>
           <a:stretch/>
         </p:blipFill>
         <p:spPr>
           <a:xfrm>
             <a:off x="269640" y="5196240"/>
-            <a:ext cx="3195000" cy="3377880"/>
+            <a:ext cx="3194640" cy="3377520"/>
           </a:xfrm>
           <a:prstGeom prst="rect">
             <a:avLst/>
@@ -3141,13 +3141,13 @@
         </p:nvPicPr>
         <p:blipFill>
           <a:blip r:embed="rId3"/>
-          <a:srcRect l="13419" t="0" r="35250" b="0"/>
+          <a:srcRect l="13417" t="0" r="35246" b="0"/>
           <a:stretch/>
         </p:blipFill>
         <p:spPr>
           <a:xfrm>
             <a:off x="3693960" y="5196240"/>
-            <a:ext cx="3225600" cy="3377880"/>
+            <a:ext cx="3225240" cy="3377520"/>
           </a:xfrm>
           <a:prstGeom prst="rect">
             <a:avLst/>
@@ -3234,7 +3234,7 @@
         <p:spPr>
           <a:xfrm>
             <a:off x="358560" y="5430240"/>
-            <a:ext cx="2970360" cy="2926440"/>
+            <a:ext cx="2970000" cy="2926080"/>
           </a:xfrm>
           <a:prstGeom prst="ellipse">
             <a:avLst/>
@@ -3270,7 +3270,7 @@
         <p:spPr>
           <a:xfrm>
             <a:off x="3813120" y="5384520"/>
-            <a:ext cx="2995560" cy="2975760"/>
+            <a:ext cx="2995200" cy="2975400"/>
           </a:xfrm>
           <a:prstGeom prst="ellipse">
             <a:avLst/>
@@ -3406,7 +3406,7 @@
         <p:spPr>
           <a:xfrm rot="19933800">
             <a:off x="4875840" y="6751800"/>
-            <a:ext cx="355680" cy="160920"/>
+            <a:ext cx="355320" cy="160560"/>
           </a:xfrm>
           <a:prstGeom prst="rightArrow">
             <a:avLst>
@@ -3447,9 +3447,9 @@
         <p:grpSpPr>
           <a:xfrm>
             <a:off x="1370520" y="8947440"/>
-            <a:ext cx="843840" cy="363960"/>
+            <a:ext cx="843480" cy="363960"/>
             <a:chOff x="1370520" y="8947440"/>
-            <a:chExt cx="843840" cy="363960"/>
+            <a:chExt cx="843480" cy="363960"/>
           </a:xfrm>
         </p:grpSpPr>
         <p:pic>
@@ -3465,7 +3465,7 @@
           <p:spPr>
             <a:xfrm>
               <a:off x="1370520" y="9018360"/>
-              <a:ext cx="275760" cy="247320"/>
+              <a:ext cx="275400" cy="246960"/>
             </a:xfrm>
             <a:prstGeom prst="rect">
               <a:avLst/>
@@ -3484,7 +3484,7 @@
           <p:spPr>
             <a:xfrm>
               <a:off x="1576080" y="8947440"/>
-              <a:ext cx="638280" cy="363960"/>
+              <a:ext cx="637920" cy="363960"/>
             </a:xfrm>
             <a:prstGeom prst="rect">
               <a:avLst/>
@@ -3537,9 +3537,9 @@
         <p:grpSpPr>
           <a:xfrm>
             <a:off x="267480" y="8961840"/>
-            <a:ext cx="856080" cy="363960"/>
+            <a:ext cx="855720" cy="363960"/>
             <a:chOff x="267480" y="8961840"/>
-            <a:chExt cx="856080" cy="363960"/>
+            <a:chExt cx="855720" cy="363960"/>
           </a:xfrm>
         </p:grpSpPr>
         <p:pic>
@@ -3555,7 +3555,7 @@
           <p:spPr>
             <a:xfrm>
               <a:off x="267480" y="9037080"/>
-              <a:ext cx="294840" cy="247320"/>
+              <a:ext cx="294480" cy="246960"/>
             </a:xfrm>
             <a:prstGeom prst="rect">
               <a:avLst/>
@@ -3574,7 +3574,7 @@
           <p:spPr>
             <a:xfrm>
               <a:off x="473040" y="8961840"/>
-              <a:ext cx="650520" cy="363960"/>
+              <a:ext cx="650160" cy="363960"/>
             </a:xfrm>
             <a:prstGeom prst="rect">
               <a:avLst/>
@@ -3627,9 +3627,9 @@
         <p:grpSpPr>
           <a:xfrm>
             <a:off x="4438800" y="9423000"/>
-            <a:ext cx="2056320" cy="363960"/>
+            <a:ext cx="2055960" cy="363960"/>
             <a:chOff x="4438800" y="9423000"/>
-            <a:chExt cx="2056320" cy="363960"/>
+            <a:chExt cx="2055960" cy="363960"/>
           </a:xfrm>
         </p:grpSpPr>
         <p:pic>
@@ -3645,7 +3645,7 @@
           <p:spPr>
             <a:xfrm>
               <a:off x="4438800" y="9474120"/>
-              <a:ext cx="275760" cy="266400"/>
+              <a:ext cx="275400" cy="266040"/>
             </a:xfrm>
             <a:prstGeom prst="rect">
               <a:avLst/>
@@ -3664,7 +3664,7 @@
           <p:spPr>
             <a:xfrm>
               <a:off x="4663440" y="9423000"/>
-              <a:ext cx="1831680" cy="363960"/>
+              <a:ext cx="1831320" cy="363960"/>
             </a:xfrm>
             <a:prstGeom prst="rect">
               <a:avLst/>
@@ -3717,9 +3717,9 @@
         <p:grpSpPr>
           <a:xfrm>
             <a:off x="2460960" y="8944560"/>
-            <a:ext cx="1262880" cy="363960"/>
+            <a:ext cx="1262520" cy="363960"/>
             <a:chOff x="2460960" y="8944560"/>
-            <a:chExt cx="1262880" cy="363960"/>
+            <a:chExt cx="1262520" cy="363960"/>
           </a:xfrm>
         </p:grpSpPr>
         <p:pic>
@@ -3735,7 +3735,7 @@
           <p:spPr>
             <a:xfrm>
               <a:off x="2460960" y="9028080"/>
-              <a:ext cx="275760" cy="247320"/>
+              <a:ext cx="275400" cy="246960"/>
             </a:xfrm>
             <a:prstGeom prst="rect">
               <a:avLst/>
@@ -3754,7 +3754,7 @@
           <p:spPr>
             <a:xfrm>
               <a:off x="2742480" y="8944560"/>
-              <a:ext cx="981360" cy="363960"/>
+              <a:ext cx="981000" cy="363960"/>
             </a:xfrm>
             <a:prstGeom prst="rect">
               <a:avLst/>
@@ -3807,9 +3807,9 @@
         <p:grpSpPr>
           <a:xfrm>
             <a:off x="3953880" y="8954280"/>
-            <a:ext cx="1445760" cy="363960"/>
+            <a:ext cx="1445400" cy="363960"/>
             <a:chOff x="3953880" y="8954280"/>
-            <a:chExt cx="1445760" cy="363960"/>
+            <a:chExt cx="1445400" cy="363960"/>
           </a:xfrm>
         </p:grpSpPr>
         <p:pic>
@@ -3825,7 +3825,7 @@
           <p:spPr>
             <a:xfrm>
               <a:off x="3953880" y="9028440"/>
-              <a:ext cx="266400" cy="247320"/>
+              <a:ext cx="266040" cy="246960"/>
             </a:xfrm>
             <a:prstGeom prst="rect">
               <a:avLst/>
@@ -3844,7 +3844,7 @@
           <p:spPr>
             <a:xfrm>
               <a:off x="4226400" y="8954280"/>
-              <a:ext cx="1173240" cy="363960"/>
+              <a:ext cx="1172880" cy="363960"/>
             </a:xfrm>
             <a:prstGeom prst="rect">
               <a:avLst/>
@@ -3897,9 +3897,9 @@
         <p:grpSpPr>
           <a:xfrm>
             <a:off x="1717200" y="9396000"/>
-            <a:ext cx="2331720" cy="363960"/>
+            <a:ext cx="2331360" cy="363960"/>
             <a:chOff x="1717200" y="9396000"/>
-            <a:chExt cx="2331720" cy="363960"/>
+            <a:chExt cx="2331360" cy="363960"/>
           </a:xfrm>
         </p:grpSpPr>
         <p:pic>
@@ -3915,7 +3915,7 @@
           <p:spPr>
             <a:xfrm>
               <a:off x="1717200" y="9475560"/>
-              <a:ext cx="266400" cy="237600"/>
+              <a:ext cx="266040" cy="237240"/>
             </a:xfrm>
             <a:prstGeom prst="rect">
               <a:avLst/>
@@ -3934,7 +3934,7 @@
           <p:spPr>
             <a:xfrm>
               <a:off x="1964520" y="9396000"/>
-              <a:ext cx="2084400" cy="363960"/>
+              <a:ext cx="2084040" cy="363960"/>
             </a:xfrm>
             <a:prstGeom prst="rect">
               <a:avLst/>
@@ -3987,9 +3987,9 @@
         <p:grpSpPr>
           <a:xfrm>
             <a:off x="267480" y="9410040"/>
-            <a:ext cx="1117080" cy="363960"/>
+            <a:ext cx="1116720" cy="363960"/>
             <a:chOff x="267480" y="9410040"/>
-            <a:chExt cx="1117080" cy="363960"/>
+            <a:chExt cx="1116720" cy="363960"/>
           </a:xfrm>
         </p:grpSpPr>
         <p:pic>
@@ -4005,7 +4005,7 @@
           <p:spPr>
             <a:xfrm>
               <a:off x="267480" y="9475560"/>
-              <a:ext cx="275760" cy="237600"/>
+              <a:ext cx="275400" cy="237240"/>
             </a:xfrm>
             <a:prstGeom prst="rect">
               <a:avLst/>
@@ -4024,7 +4024,7 @@
           <p:spPr>
             <a:xfrm>
               <a:off x="531360" y="9410040"/>
-              <a:ext cx="853200" cy="363960"/>
+              <a:ext cx="852840" cy="363960"/>
             </a:xfrm>
             <a:prstGeom prst="rect">
               <a:avLst/>
@@ -4077,9 +4077,9 @@
         <p:grpSpPr>
           <a:xfrm>
             <a:off x="5618520" y="8933400"/>
-            <a:ext cx="1482120" cy="363960"/>
+            <a:ext cx="1481760" cy="363960"/>
             <a:chOff x="5618520" y="8933400"/>
-            <a:chExt cx="1482120" cy="363960"/>
+            <a:chExt cx="1481760" cy="363960"/>
           </a:xfrm>
         </p:grpSpPr>
         <p:pic>
@@ -4095,7 +4095,7 @@
           <p:spPr>
             <a:xfrm>
               <a:off x="5618520" y="9020160"/>
-              <a:ext cx="266400" cy="237600"/>
+              <a:ext cx="266040" cy="237240"/>
             </a:xfrm>
             <a:prstGeom prst="rect">
               <a:avLst/>
@@ -4114,7 +4114,7 @@
           <p:spPr>
             <a:xfrm>
               <a:off x="5878800" y="8933400"/>
-              <a:ext cx="1221840" cy="363960"/>
+              <a:ext cx="1221480" cy="363960"/>
             </a:xfrm>
             <a:prstGeom prst="rect">
               <a:avLst/>
@@ -4219,7 +4219,7 @@
         <p:spPr>
           <a:xfrm>
             <a:off x="5064480" y="8384400"/>
-            <a:ext cx="639360" cy="339840"/>
+            <a:ext cx="639000" cy="339840"/>
           </a:xfrm>
           <a:prstGeom prst="rect">
             <a:avLst/>
@@ -4323,7 +4323,7 @@
         <p:spPr>
           <a:xfrm>
             <a:off x="237960" y="4760280"/>
-            <a:ext cx="327960" cy="461520"/>
+            <a:ext cx="327600" cy="461520"/>
           </a:xfrm>
           <a:prstGeom prst="rect">
             <a:avLst/>
@@ -4375,7 +4375,7 @@
         <p:spPr>
           <a:xfrm>
             <a:off x="238680" y="100800"/>
-            <a:ext cx="327960" cy="461520"/>
+            <a:ext cx="327600" cy="461520"/>
           </a:xfrm>
           <a:prstGeom prst="rect">
             <a:avLst/>
@@ -4417,6 +4417,43 @@
             </a:endParaRPr>
           </a:p>
         </p:txBody>
+      </p:sp>
+      <p:sp>
+        <p:nvSpPr>
+          <p:cNvPr id="81" name="Oval 1"/>
+          <p:cNvSpPr/>
+          <p:nvPr/>
+        </p:nvSpPr>
+        <p:spPr>
+          <a:xfrm>
+            <a:off x="1757160" y="6401520"/>
+            <a:ext cx="172440" cy="476640"/>
+          </a:xfrm>
+          <a:prstGeom prst="ellipse">
+            <a:avLst/>
+          </a:prstGeom>
+          <a:noFill/>
+          <a:ln w="12700">
+            <a:solidFill>
+              <a:srgbClr val="000000"/>
+            </a:solidFill>
+            <a:prstDash val="sysDash"/>
+          </a:ln>
+        </p:spPr>
+        <p:style>
+          <a:lnRef idx="2">
+            <a:schemeClr val="accent1">
+              <a:shade val="50000"/>
+            </a:schemeClr>
+          </a:lnRef>
+          <a:fillRef idx="1">
+            <a:schemeClr val="accent1"/>
+          </a:fillRef>
+          <a:effectRef idx="0">
+            <a:schemeClr val="accent1"/>
+          </a:effectRef>
+          <a:fontRef idx="minor"/>
+        </p:style>
       </p:sp>
     </p:spTree>
   </p:cSld>
